--- a/doc/masters/esp/espArchitecture.pptx
+++ b/doc/masters/esp/espArchitecture.pptx
@@ -3602,16 +3602,6 @@
               </a:rPr>
               <a:t>MDB, SQLite</a:t>
             </a:r>
-            <a:r>
-              <a:rPr lang="en-US" sz="1200" dirty="0" smtClean="0">
-                <a:solidFill>
-                  <a:schemeClr val="tx2">
-                    <a:lumMod val="75000"/>
-                  </a:schemeClr>
-                </a:solidFill>
-              </a:rPr>
-              <a:t/>
-            </a:r>
             <a:br>
               <a:rPr lang="en-US" sz="1200" dirty="0" smtClean="0">
                 <a:solidFill>
@@ -4403,27 +4393,7 @@
                   </a:schemeClr>
                 </a:solidFill>
               </a:rPr>
-              <a:t>Web </a:t>
-            </a:r>
-            <a:r>
-              <a:rPr lang="en-US" sz="1200" dirty="0" smtClean="0">
-                <a:solidFill>
-                  <a:schemeClr val="tx2">
-                    <a:lumMod val="75000"/>
-                  </a:schemeClr>
-                </a:solidFill>
-              </a:rPr>
-              <a:t>Pages,</a:t>
-            </a:r>
-            <a:r>
-              <a:rPr lang="en-US" sz="1200" dirty="0" smtClean="0">
-                <a:solidFill>
-                  <a:schemeClr val="tx2">
-                    <a:lumMod val="75000"/>
-                  </a:schemeClr>
-                </a:solidFill>
-              </a:rPr>
-              <a:t/>
+              <a:t>Web Pages,</a:t>
             </a:r>
             <a:br>
               <a:rPr lang="en-US" sz="1200" dirty="0" smtClean="0">
@@ -4444,13 +4414,6 @@
               </a:rPr>
               <a:t>Controllers</a:t>
             </a:r>
-            <a:endParaRPr lang="en-US" sz="1200" dirty="0" smtClean="0">
-              <a:solidFill>
-                <a:schemeClr val="tx2">
-                  <a:lumMod val="75000"/>
-                </a:schemeClr>
-              </a:solidFill>
-            </a:endParaRPr>
           </a:p>
         </p:txBody>
       </p:sp>
